--- a/Courses/Software-Sciences/Module-1-OOP/04.1-Loops-Basics/04.1-Loops-Basics.pptx
+++ b/Courses/Software-Sciences/Module-1-OOP/04.1-Loops-Basics/04.1-Loops-Basics.pptx
@@ -335,7 +335,7 @@
           <a:p>
             <a:fld id="{4E087215-0C8F-4762-A664-737A353EC9A4}" type="datetimeFigureOut">
               <a:rPr lang="bg-BG" smtClean="0"/>
-              <a:t>4.05.23 г.</a:t>
+              <a:t>11.05.23 г.</a:t>
             </a:fld>
             <a:endParaRPr lang="bg-BG"/>
           </a:p>
@@ -526,7 +526,7 @@
           <a:p>
             <a:fld id="{72D84649-876A-46C9-8472-14CB09C070D8}" type="datetimeFigureOut">
               <a:rPr lang="en-US" smtClean="0"/>
-              <a:t>5/4/23</a:t>
+              <a:t>5/11/23</a:t>
             </a:fld>
             <a:endParaRPr lang="en-US"/>
           </a:p>
@@ -32221,7 +32221,7 @@
               <a:rPr lang="en-US" sz="2199" dirty="0">
                 <a:hlinkClick r:id="rId2"/>
               </a:rPr>
-              <a:t>https://judge.softuni.org/Contests/Practice/Index/3898#7</a:t>
+              <a:t>https://judge.softuni.org/Contests/Practice/Index/3898#13</a:t>
             </a:r>
             <a:endParaRPr lang="en-US" sz="2199" dirty="0">
               <a:solidFill>
@@ -35103,13 +35103,7 @@
               <a:rPr lang="en-US" sz="2199" dirty="0">
                 <a:hlinkClick r:id="rId2"/>
               </a:rPr>
-              <a:t>https://judge.softuni.org</a:t>
-            </a:r>
-            <a:r>
-              <a:rPr lang="en-US" sz="2199">
-                <a:hlinkClick r:id="rId2"/>
-              </a:rPr>
-              <a:t>/Contests/Practice/Index/3898#14</a:t>
+              <a:t>https://judge.softuni.org/Contests/Practice/Index/3898#14</a:t>
             </a:r>
             <a:endParaRPr lang="en-US" sz="2199" dirty="0">
               <a:solidFill>

--- a/Courses/Software-Sciences/Module-1-OOP/04.1-Loops-Basics/04.1-Loops-Basics.pptx
+++ b/Courses/Software-Sciences/Module-1-OOP/04.1-Loops-Basics/04.1-Loops-Basics.pptx
@@ -335,7 +335,7 @@
           <a:p>
             <a:fld id="{4E087215-0C8F-4762-A664-737A353EC9A4}" type="datetimeFigureOut">
               <a:rPr lang="bg-BG" smtClean="0"/>
-              <a:t>11.05.23 г.</a:t>
+              <a:t>17.05.23 г.</a:t>
             </a:fld>
             <a:endParaRPr lang="bg-BG"/>
           </a:p>
@@ -526,7 +526,7 @@
           <a:p>
             <a:fld id="{72D84649-876A-46C9-8472-14CB09C070D8}" type="datetimeFigureOut">
               <a:rPr lang="en-US" smtClean="0"/>
-              <a:t>5/11/23</a:t>
+              <a:t>5/17/23</a:t>
             </a:fld>
             <a:endParaRPr lang="en-US"/>
           </a:p>
@@ -18454,7 +18454,7 @@
         </p:nvSpPr>
         <p:spPr>
           <a:xfrm>
-            <a:off x="1271464" y="6237313"/>
+            <a:off x="1199456" y="6307009"/>
             <a:ext cx="9793088" cy="399981"/>
           </a:xfrm>
           <a:prstGeom prst="rect">
@@ -25864,7 +25864,7 @@
         </p:nvSpPr>
         <p:spPr>
           <a:xfrm>
-            <a:off x="507349" y="6174000"/>
+            <a:off x="507349" y="6266116"/>
             <a:ext cx="11177301" cy="400110"/>
           </a:xfrm>
           <a:prstGeom prst="rect">
@@ -27794,7 +27794,15 @@
           <a:p>
             <a:r>
               <a:rPr lang="bg-BG" dirty="0"/>
-              <a:t>Пример – часовник (1)</a:t>
+              <a:t>Пример</a:t>
+            </a:r>
+            <a:r>
+              <a:rPr lang="en-US" dirty="0"/>
+              <a:t>:</a:t>
+            </a:r>
+            <a:r>
+              <a:rPr lang="bg-BG" dirty="0"/>
+              <a:t> часовник (1)</a:t>
             </a:r>
             <a:endParaRPr lang="en-US" dirty="0"/>
           </a:p>
@@ -32070,7 +32078,7 @@
           <a:p>
             <a:r>
               <a:rPr lang="en-US" noProof="1"/>
-              <a:t>Пример – часовник (2)</a:t>
+              <a:t>Пример: часовник (2)</a:t>
             </a:r>
           </a:p>
         </p:txBody>

--- a/Courses/Software-Sciences/Module-1-OOP/04.1-Loops-Basics/04.1-Loops-Basics.pptx
+++ b/Courses/Software-Sciences/Module-1-OOP/04.1-Loops-Basics/04.1-Loops-Basics.pptx
@@ -335,7 +335,7 @@
           <a:p>
             <a:fld id="{4E087215-0C8F-4762-A664-737A353EC9A4}" type="datetimeFigureOut">
               <a:rPr lang="bg-BG" smtClean="0"/>
-              <a:t>17.05.23 г.</a:t>
+              <a:t>2.7.2023 г.</a:t>
             </a:fld>
             <a:endParaRPr lang="bg-BG"/>
           </a:p>
@@ -526,7 +526,7 @@
           <a:p>
             <a:fld id="{72D84649-876A-46C9-8472-14CB09C070D8}" type="datetimeFigureOut">
               <a:rPr lang="en-US" smtClean="0"/>
-              <a:t>5/17/23</a:t>
+              <a:t>2-Jul-23</a:t>
             </a:fld>
             <a:endParaRPr lang="en-US"/>
           </a:p>
@@ -16213,7 +16213,15 @@
           <a:p>
             <a:r>
               <a:rPr lang="bg-BG" dirty="0"/>
-              <a:t>Дължина и взимане на символи по индекс</a:t>
+              <a:t>Дължина на низ и достъп </a:t>
+            </a:r>
+            <a:r>
+              <a:rPr lang="bg-BG"/>
+              <a:t>до символ </a:t>
+            </a:r>
+            <a:r>
+              <a:rPr lang="bg-BG" dirty="0"/>
+              <a:t>по индекс</a:t>
             </a:r>
             <a:endParaRPr lang="en-BG" dirty="0"/>
           </a:p>
@@ -18957,7 +18965,21 @@
                 <a:latin typeface="Calibri" panose="020F0502020204030204" pitchFamily="34" charset="0"/>
                 <a:cs typeface="Calibri" panose="020F0502020204030204" pitchFamily="34" charset="0"/>
               </a:rPr>
-              <a:t>Работа с текст</a:t>
+              <a:t>Работа с текст: дължина на </a:t>
+            </a:r>
+            <a:r>
+              <a:rPr lang="bg-BG" sz="3399" b="1" dirty="0">
+                <a:latin typeface="Calibri" panose="020F0502020204030204" pitchFamily="34" charset="0"/>
+                <a:cs typeface="Calibri" panose="020F0502020204030204" pitchFamily="34" charset="0"/>
+              </a:rPr>
+              <a:t>символен низ</a:t>
+            </a:r>
+            <a:r>
+              <a:rPr lang="bg-BG" sz="3399" dirty="0">
+                <a:latin typeface="Calibri" panose="020F0502020204030204" pitchFamily="34" charset="0"/>
+                <a:cs typeface="Calibri" panose="020F0502020204030204" pitchFamily="34" charset="0"/>
+              </a:rPr>
+              <a:t> и достъп до елемент от низ</a:t>
             </a:r>
           </a:p>
           <a:p>
@@ -18998,11 +19020,18 @@
           </a:p>
           <a:p>
             <a:r>
+              <a:rPr lang="bg-BG" sz="3399" b="1" dirty="0">
+                <a:latin typeface="Calibri" panose="020F0502020204030204" pitchFamily="34" charset="0"/>
+                <a:cs typeface="Calibri" panose="020F0502020204030204" pitchFamily="34" charset="0"/>
+              </a:rPr>
+              <a:t>Вложени цикли </a:t>
+            </a:r>
+            <a:r>
               <a:rPr lang="bg-BG" sz="3399" dirty="0">
                 <a:latin typeface="Calibri" panose="020F0502020204030204" pitchFamily="34" charset="0"/>
                 <a:cs typeface="Calibri" panose="020F0502020204030204" pitchFamily="34" charset="0"/>
               </a:rPr>
-              <a:t>Вложени цикли</a:t>
+              <a:t>(цикъл в цикъл)</a:t>
             </a:r>
             <a:endParaRPr lang="en-US" sz="3399" dirty="0">
               <a:latin typeface="Calibri" panose="020F0502020204030204" pitchFamily="34" charset="0"/>
@@ -27493,6 +27522,47 @@
       </p:grpSpPr>
       <p:sp>
         <p:nvSpPr>
+          <p:cNvPr id="4" name="Subtitle 3">
+            <a:extLst>
+              <a:ext uri="{FF2B5EF4-FFF2-40B4-BE49-F238E27FC236}">
+                <a16:creationId xmlns:a16="http://schemas.microsoft.com/office/drawing/2014/main" id="{109A0E8F-9198-D26D-1DA8-8B2E5BEE7AEE}"/>
+              </a:ext>
+            </a:extLst>
+          </p:cNvPr>
+          <p:cNvSpPr>
+            <a:spLocks noGrp="1"/>
+          </p:cNvSpPr>
+          <p:nvPr>
+            <p:ph type="subTitle" sz="quarter" idx="11"/>
+          </p:nvPr>
+        </p:nvSpPr>
+        <p:spPr/>
+        <p:txBody>
+          <a:bodyPr/>
+          <a:lstStyle/>
+          <a:p>
+            <a:r>
+              <a:rPr lang="bg-BG" dirty="0"/>
+              <a:t>Например: за </a:t>
+            </a:r>
+            <a:r>
+              <a:rPr lang="en-US" dirty="0" err="1"/>
+              <a:t>i</a:t>
+            </a:r>
+            <a:r>
+              <a:rPr lang="en-US" dirty="0"/>
+              <a:t> = 1 … 10 </a:t>
+            </a:r>
+            <a:r>
+              <a:rPr lang="bg-BG" dirty="0"/>
+              <a:t>изпълни блок от код</a:t>
+            </a:r>
+            <a:endParaRPr lang="en-US" dirty="0"/>
+          </a:p>
+        </p:txBody>
+      </p:sp>
+      <p:sp>
+        <p:nvSpPr>
           <p:cNvPr id="2" name="Title 1">
             <a:extLst>
               <a:ext uri="{FF2B5EF4-FFF2-40B4-BE49-F238E27FC236}">
@@ -27507,7 +27577,12 @@
             <p:ph type="title" sz="quarter" idx="10"/>
           </p:nvPr>
         </p:nvSpPr>
-        <p:spPr/>
+        <p:spPr>
+          <a:xfrm>
+            <a:off x="615109" y="4704825"/>
+            <a:ext cx="10961783" cy="768084"/>
+          </a:xfrm>
+        </p:spPr>
         <p:txBody>
           <a:bodyPr/>
           <a:lstStyle/>
@@ -27706,6 +27781,35 @@
       </p:grpSp>
       <p:sp>
         <p:nvSpPr>
+          <p:cNvPr id="3" name="Subtitle 2">
+            <a:extLst>
+              <a:ext uri="{FF2B5EF4-FFF2-40B4-BE49-F238E27FC236}">
+                <a16:creationId xmlns:a16="http://schemas.microsoft.com/office/drawing/2014/main" id="{5F42EBD8-24DE-7464-E64F-F8900B4B31CF}"/>
+              </a:ext>
+            </a:extLst>
+          </p:cNvPr>
+          <p:cNvSpPr>
+            <a:spLocks noGrp="1"/>
+          </p:cNvSpPr>
+          <p:nvPr>
+            <p:ph type="subTitle" sz="quarter" idx="11"/>
+          </p:nvPr>
+        </p:nvSpPr>
+        <p:spPr/>
+        <p:txBody>
+          <a:bodyPr/>
+          <a:lstStyle/>
+          <a:p>
+            <a:r>
+              <a:rPr lang="bg-BG" dirty="0"/>
+              <a:t>Завъртане на цикъл вътре в друг цикъл</a:t>
+            </a:r>
+            <a:endParaRPr lang="en-US" dirty="0"/>
+          </a:p>
+        </p:txBody>
+      </p:sp>
+      <p:sp>
+        <p:nvSpPr>
           <p:cNvPr id="5" name="Title 4">
             <a:extLst>
               <a:ext uri="{FF2B5EF4-FFF2-40B4-BE49-F238E27FC236}">
@@ -27720,7 +27824,12 @@
             <p:ph type="title" sz="quarter" idx="10"/>
           </p:nvPr>
         </p:nvSpPr>
-        <p:spPr/>
+        <p:spPr>
+          <a:xfrm>
+            <a:off x="615109" y="4704825"/>
+            <a:ext cx="10961783" cy="768084"/>
+          </a:xfrm>
+        </p:spPr>
         <p:txBody>
           <a:bodyPr/>
           <a:lstStyle/>
@@ -42911,6 +43020,47 @@
       </p:grpSpPr>
       <p:sp>
         <p:nvSpPr>
+          <p:cNvPr id="4" name="Subtitle 3">
+            <a:extLst>
+              <a:ext uri="{FF2B5EF4-FFF2-40B4-BE49-F238E27FC236}">
+                <a16:creationId xmlns:a16="http://schemas.microsoft.com/office/drawing/2014/main" id="{3CE38DB7-3363-CDAD-3D76-20EA91AB4F61}"/>
+              </a:ext>
+            </a:extLst>
+          </p:cNvPr>
+          <p:cNvSpPr>
+            <a:spLocks noGrp="1"/>
+          </p:cNvSpPr>
+          <p:nvPr>
+            <p:ph type="subTitle" sz="quarter" idx="11"/>
+          </p:nvPr>
+        </p:nvSpPr>
+        <p:spPr/>
+        <p:txBody>
+          <a:bodyPr/>
+          <a:lstStyle/>
+          <a:p>
+            <a:r>
+              <a:rPr lang="bg-BG" dirty="0"/>
+              <a:t>Например за </a:t>
+            </a:r>
+            <a:r>
+              <a:rPr lang="en-US" dirty="0" err="1"/>
+              <a:t>i</a:t>
+            </a:r>
+            <a:r>
+              <a:rPr lang="en-US" dirty="0"/>
+              <a:t> = 5, 10, 15, … 100 </a:t>
+            </a:r>
+            <a:r>
+              <a:rPr lang="bg-BG" dirty="0"/>
+              <a:t>изпълни блок</a:t>
+            </a:r>
+            <a:endParaRPr lang="en-US" dirty="0"/>
+          </a:p>
+        </p:txBody>
+      </p:sp>
+      <p:sp>
+        <p:nvSpPr>
           <p:cNvPr id="2" name="Title 1">
             <a:extLst>
               <a:ext uri="{FF2B5EF4-FFF2-40B4-BE49-F238E27FC236}">
@@ -42925,7 +43075,12 @@
             <p:ph type="title" sz="quarter" idx="10"/>
           </p:nvPr>
         </p:nvSpPr>
-        <p:spPr/>
+        <p:spPr>
+          <a:xfrm>
+            <a:off x="615109" y="4704825"/>
+            <a:ext cx="10961783" cy="768084"/>
+          </a:xfrm>
+        </p:spPr>
         <p:txBody>
           <a:bodyPr/>
           <a:lstStyle/>

--- a/Courses/Software-Sciences/Module-1-OOP/04.1-Loops-Basics/04.1-Loops-Basics.pptx
+++ b/Courses/Software-Sciences/Module-1-OOP/04.1-Loops-Basics/04.1-Loops-Basics.pptx
@@ -333,7 +333,7 @@
           <a:p>
             <a:fld id="{4E087215-0C8F-4762-A664-737A353EC9A4}" type="datetimeFigureOut">
               <a:rPr lang="bg-BG" smtClean="0"/>
-              <a:t>28.09.23 г.</a:t>
+              <a:t>5.06.24 г.</a:t>
             </a:fld>
             <a:endParaRPr lang="bg-BG"/>
           </a:p>
@@ -529,7 +529,7 @@
           <a:p>
             <a:fld id="{72D84649-876A-46C9-8472-14CB09C070D8}" type="datetimeFigureOut">
               <a:rPr lang="en-US" smtClean="0"/>
-              <a:t>9/28/23</a:t>
+              <a:t>6/5/24</a:t>
             </a:fld>
             <a:endParaRPr lang="en-US"/>
           </a:p>
@@ -11793,8 +11793,8 @@
         </p:nvSpPr>
         <p:spPr bwMode="auto">
           <a:xfrm>
-            <a:off x="2656430" y="5020969"/>
-            <a:ext cx="2894846" cy="640906"/>
+            <a:off x="2656430" y="4245735"/>
+            <a:ext cx="784570" cy="2413418"/>
           </a:xfrm>
           <a:prstGeom prst="rect">
             <a:avLst/>
@@ -11838,7 +11838,82 @@
                 <a:latin typeface="Consolas" pitchFamily="49" charset="0"/>
                 <a:cs typeface="Consolas" pitchFamily="49" charset="0"/>
               </a:rPr>
-              <a:t>1, 4, 7, 10</a:t>
+              <a:t>1</a:t>
+            </a:r>
+            <a:endParaRPr lang="en-US" sz="3199" b="1" noProof="1">
+              <a:latin typeface="Consolas" pitchFamily="49" charset="0"/>
+              <a:cs typeface="Consolas" pitchFamily="49" charset="0"/>
+            </a:endParaRPr>
+          </a:p>
+          <a:p>
+            <a:pPr algn="ctr" eaLnBrk="0" hangingPunct="0">
+              <a:lnSpc>
+                <a:spcPct val="120000"/>
+              </a:lnSpc>
+              <a:buClr>
+                <a:schemeClr val="accent5">
+                  <a:lumMod val="40000"/>
+                  <a:lumOff val="60000"/>
+                </a:schemeClr>
+              </a:buClr>
+              <a:buSzPct val="70000"/>
+            </a:pPr>
+            <a:r>
+              <a:rPr lang="bg-BG" sz="3199" b="1" noProof="1">
+                <a:latin typeface="Consolas" pitchFamily="49" charset="0"/>
+                <a:cs typeface="Consolas" pitchFamily="49" charset="0"/>
+              </a:rPr>
+              <a:t>4</a:t>
+            </a:r>
+            <a:endParaRPr lang="en-US" sz="3199" b="1" noProof="1">
+              <a:latin typeface="Consolas" pitchFamily="49" charset="0"/>
+              <a:cs typeface="Consolas" pitchFamily="49" charset="0"/>
+            </a:endParaRPr>
+          </a:p>
+          <a:p>
+            <a:pPr algn="ctr" eaLnBrk="0" hangingPunct="0">
+              <a:lnSpc>
+                <a:spcPct val="120000"/>
+              </a:lnSpc>
+              <a:buClr>
+                <a:schemeClr val="accent5">
+                  <a:lumMod val="40000"/>
+                  <a:lumOff val="60000"/>
+                </a:schemeClr>
+              </a:buClr>
+              <a:buSzPct val="70000"/>
+            </a:pPr>
+            <a:r>
+              <a:rPr lang="bg-BG" sz="3199" b="1" noProof="1">
+                <a:latin typeface="Consolas" pitchFamily="49" charset="0"/>
+                <a:cs typeface="Consolas" pitchFamily="49" charset="0"/>
+              </a:rPr>
+              <a:t>7</a:t>
+            </a:r>
+            <a:endParaRPr lang="en-US" sz="3199" b="1" noProof="1">
+              <a:latin typeface="Consolas" pitchFamily="49" charset="0"/>
+              <a:cs typeface="Consolas" pitchFamily="49" charset="0"/>
+            </a:endParaRPr>
+          </a:p>
+          <a:p>
+            <a:pPr algn="ctr" eaLnBrk="0" hangingPunct="0">
+              <a:lnSpc>
+                <a:spcPct val="120000"/>
+              </a:lnSpc>
+              <a:buClr>
+                <a:schemeClr val="accent5">
+                  <a:lumMod val="40000"/>
+                  <a:lumOff val="60000"/>
+                </a:schemeClr>
+              </a:buClr>
+              <a:buSzPct val="70000"/>
+            </a:pPr>
+            <a:r>
+              <a:rPr lang="bg-BG" sz="3199" b="1" noProof="1">
+                <a:latin typeface="Consolas" pitchFamily="49" charset="0"/>
+                <a:cs typeface="Consolas" pitchFamily="49" charset="0"/>
+              </a:rPr>
+              <a:t>10</a:t>
             </a:r>
             <a:endParaRPr lang="en-US" sz="3199" b="1" noProof="1">
               <a:latin typeface="Consolas" pitchFamily="49" charset="0"/>
@@ -35405,7 +35480,7 @@
 </file>
 
 <file path=ppt/slides/slide38.xml><?xml version="1.0" encoding="utf-8"?>
-<p:sld xmlns:a="http://schemas.openxmlformats.org/drawingml/2006/main" xmlns:r="http://schemas.openxmlformats.org/officeDocument/2006/relationships" xmlns:p="http://schemas.openxmlformats.org/presentationml/2006/main">
+<p:sld xmlns:a="http://schemas.openxmlformats.org/drawingml/2006/main" xmlns:r="http://schemas.openxmlformats.org/officeDocument/2006/relationships" xmlns:p="http://schemas.openxmlformats.org/presentationml/2006/main" show="0">
   <p:cSld>
     <p:spTree>
       <p:nvGrpSpPr>
@@ -35776,11 +35851,11 @@
   <p:clrMapOvr>
     <a:masterClrMapping/>
   </p:clrMapOvr>
-  <mc:AlternateContent xmlns:mc="http://schemas.openxmlformats.org/markup-compatibility/2006" xmlns:p14="http://schemas.microsoft.com/office/powerpoint/2010/main">
-    <mc:Choice Requires="p14">
+  <mc:AlternateContent xmlns:mc="http://schemas.openxmlformats.org/markup-compatibility/2006">
+    <mc:Choice xmlns:p14="http://schemas.microsoft.com/office/powerpoint/2010/main" Requires="p14">
       <p:transition spd="slow" p14:dur="2000" advClick="0" advTm="5000"/>
     </mc:Choice>
-    <mc:Fallback xmlns="">
+    <mc:Fallback>
       <p:transition spd="slow" advClick="0" advTm="5000"/>
     </mc:Fallback>
   </mc:AlternateContent>
